--- a/Project3-WebScraping/charlesleung/Charts.pptx
+++ b/Project3-WebScraping/charlesleung/Charts.pptx
@@ -6,16 +6,17 @@
   </p:sldMasterIdLst>
   <p:sldIdLst>
     <p:sldId id="271" r:id="rId2"/>
-    <p:sldId id="258" r:id="rId3"/>
-    <p:sldId id="261" r:id="rId4"/>
-    <p:sldId id="256" r:id="rId5"/>
-    <p:sldId id="270" r:id="rId6"/>
-    <p:sldId id="257" r:id="rId7"/>
-    <p:sldId id="259" r:id="rId8"/>
-    <p:sldId id="260" r:id="rId9"/>
-    <p:sldId id="268" r:id="rId10"/>
-    <p:sldId id="269" r:id="rId11"/>
-    <p:sldId id="263" r:id="rId12"/>
+    <p:sldId id="274" r:id="rId3"/>
+    <p:sldId id="258" r:id="rId4"/>
+    <p:sldId id="261" r:id="rId5"/>
+    <p:sldId id="256" r:id="rId6"/>
+    <p:sldId id="272" r:id="rId7"/>
+    <p:sldId id="257" r:id="rId8"/>
+    <p:sldId id="259" r:id="rId9"/>
+    <p:sldId id="260" r:id="rId10"/>
+    <p:sldId id="275" r:id="rId11"/>
+    <p:sldId id="268" r:id="rId12"/>
+    <p:sldId id="269" r:id="rId13"/>
   </p:sldIdLst>
   <p:sldSz cx="12192000" cy="6858000"/>
   <p:notesSz cx="6858000" cy="9144000"/>
@@ -3057,31 +3058,9 @@
           <a:chExt cx="0" cy="0"/>
         </a:xfrm>
       </p:grpSpPr>
-      <p:sp>
-        <p:nvSpPr>
-          <p:cNvPr id="2" name="Title 1"/>
-          <p:cNvSpPr>
-            <a:spLocks noGrp="1"/>
-          </p:cNvSpPr>
-          <p:nvPr>
-            <p:ph type="title"/>
-          </p:nvPr>
-        </p:nvSpPr>
-        <p:spPr/>
-        <p:txBody>
-          <a:bodyPr/>
-          <a:lstStyle/>
-          <a:p>
-            <a:r>
-              <a:rPr lang="en-US" dirty="0"/>
-              <a:t>	Fascinating					Funny</a:t>
-            </a:r>
-          </a:p>
-        </p:txBody>
-      </p:sp>
       <p:pic>
         <p:nvPicPr>
-          <p:cNvPr id="3" name="Picture 2"/>
+          <p:cNvPr id="4" name="Picture 3"/>
           <p:cNvPicPr>
             <a:picLocks noChangeAspect="1"/>
           </p:cNvPicPr>
@@ -3101,8 +3080,8 @@
         </p:blipFill>
         <p:spPr>
           <a:xfrm>
-            <a:off x="-1572355" y="1690278"/>
-            <a:ext cx="8418632" cy="5167721"/>
+            <a:off x="1101352" y="4912515"/>
+            <a:ext cx="9897856" cy="1390844"/>
           </a:xfrm>
           <a:prstGeom prst="rect">
             <a:avLst/>
@@ -3111,7 +3090,7 @@
       </p:pic>
       <p:pic>
         <p:nvPicPr>
-          <p:cNvPr id="6" name="Picture 5"/>
+          <p:cNvPr id="5" name="Picture 4"/>
           <p:cNvPicPr>
             <a:picLocks noChangeAspect="1"/>
           </p:cNvPicPr>
@@ -3131,8 +3110,68 @@
         </p:blipFill>
         <p:spPr>
           <a:xfrm>
-            <a:off x="4890723" y="1690279"/>
-            <a:ext cx="8418632" cy="5167721"/>
+            <a:off x="1110879" y="512754"/>
+            <a:ext cx="9926435" cy="1409897"/>
+          </a:xfrm>
+          <a:prstGeom prst="rect">
+            <a:avLst/>
+          </a:prstGeom>
+        </p:spPr>
+      </p:pic>
+      <p:pic>
+        <p:nvPicPr>
+          <p:cNvPr id="6" name="Picture 5"/>
+          <p:cNvPicPr>
+            <a:picLocks noChangeAspect="1"/>
+          </p:cNvPicPr>
+          <p:nvPr/>
+        </p:nvPicPr>
+        <p:blipFill>
+          <a:blip r:embed="rId4">
+            <a:extLst>
+              <a:ext uri="{28A0092B-C50C-407E-A947-70E740481C1C}">
+                <a14:useLocalDpi xmlns:a14="http://schemas.microsoft.com/office/drawing/2010/main" val="0"/>
+              </a:ext>
+            </a:extLst>
+          </a:blip>
+          <a:stretch>
+            <a:fillRect/>
+          </a:stretch>
+        </p:blipFill>
+        <p:spPr>
+          <a:xfrm>
+            <a:off x="1110879" y="1945765"/>
+            <a:ext cx="9897856" cy="1448002"/>
+          </a:xfrm>
+          <a:prstGeom prst="rect">
+            <a:avLst/>
+          </a:prstGeom>
+        </p:spPr>
+      </p:pic>
+      <p:pic>
+        <p:nvPicPr>
+          <p:cNvPr id="7" name="Picture 6"/>
+          <p:cNvPicPr>
+            <a:picLocks noChangeAspect="1"/>
+          </p:cNvPicPr>
+          <p:nvPr/>
+        </p:nvPicPr>
+        <p:blipFill>
+          <a:blip r:embed="rId5">
+            <a:extLst>
+              <a:ext uri="{28A0092B-C50C-407E-A947-70E740481C1C}">
+                <a14:useLocalDpi xmlns:a14="http://schemas.microsoft.com/office/drawing/2010/main" val="0"/>
+              </a:ext>
+            </a:extLst>
+          </a:blip>
+          <a:stretch>
+            <a:fillRect/>
+          </a:stretch>
+        </p:blipFill>
+        <p:spPr>
+          <a:xfrm>
+            <a:off x="1101352" y="3452956"/>
+            <a:ext cx="9907383" cy="1400370"/>
           </a:xfrm>
           <a:prstGeom prst="rect">
             <a:avLst/>
@@ -3142,7 +3181,7 @@
     </p:spTree>
     <p:extLst>
       <p:ext uri="{BB962C8B-B14F-4D97-AF65-F5344CB8AC3E}">
-        <p14:creationId xmlns:p14="http://schemas.microsoft.com/office/powerpoint/2010/main" val="970112451"/>
+        <p14:creationId xmlns:p14="http://schemas.microsoft.com/office/powerpoint/2010/main" val="2813815560"/>
       </p:ext>
     </p:extLst>
   </p:cSld>
@@ -3169,15 +3208,37 @@
           <a:chExt cx="0" cy="0"/>
         </a:xfrm>
       </p:grpSpPr>
+      <p:sp>
+        <p:nvSpPr>
+          <p:cNvPr id="2" name="Title 1"/>
+          <p:cNvSpPr>
+            <a:spLocks noGrp="1"/>
+          </p:cNvSpPr>
+          <p:nvPr>
+            <p:ph type="title"/>
+          </p:nvPr>
+        </p:nvSpPr>
+        <p:spPr/>
+        <p:txBody>
+          <a:bodyPr/>
+          <a:lstStyle/>
+          <a:p>
+            <a:r>
+              <a:rPr lang="en-US" dirty="0"/>
+              <a:t>	Beautiful					Courageous</a:t>
+            </a:r>
+          </a:p>
+        </p:txBody>
+      </p:sp>
       <p:pic>
         <p:nvPicPr>
-          <p:cNvPr id="2" name="Picture 1"/>
+          <p:cNvPr id="4" name="Picture 3"/>
           <p:cNvPicPr>
             <a:picLocks noChangeAspect="1"/>
           </p:cNvPicPr>
           <p:nvPr/>
         </p:nvPicPr>
-        <p:blipFill rotWithShape="1">
+        <p:blipFill>
           <a:blip r:embed="rId2">
             <a:extLst>
               <a:ext uri="{28A0092B-C50C-407E-A947-70E740481C1C}">
@@ -3185,19 +3246,102 @@
               </a:ext>
             </a:extLst>
           </a:blip>
-          <a:srcRect l="30254" r="31453"/>
-          <a:stretch/>
+          <a:stretch>
+            <a:fillRect/>
+          </a:stretch>
         </p:blipFill>
         <p:spPr>
           <a:xfrm>
-            <a:off x="0" y="1309837"/>
-            <a:ext cx="5424447" cy="5548163"/>
+            <a:off x="-844061" y="1848594"/>
+            <a:ext cx="8160724" cy="5009406"/>
           </a:xfrm>
           <a:prstGeom prst="rect">
             <a:avLst/>
           </a:prstGeom>
         </p:spPr>
       </p:pic>
+      <p:pic>
+        <p:nvPicPr>
+          <p:cNvPr id="5" name="Picture 4"/>
+          <p:cNvPicPr>
+            <a:picLocks noChangeAspect="1"/>
+          </p:cNvPicPr>
+          <p:nvPr/>
+        </p:nvPicPr>
+        <p:blipFill>
+          <a:blip r:embed="rId3">
+            <a:extLst>
+              <a:ext uri="{28A0092B-C50C-407E-A947-70E740481C1C}">
+                <a14:useLocalDpi xmlns:a14="http://schemas.microsoft.com/office/drawing/2010/main" val="0"/>
+              </a:ext>
+            </a:extLst>
+          </a:blip>
+          <a:stretch>
+            <a:fillRect/>
+          </a:stretch>
+        </p:blipFill>
+        <p:spPr>
+          <a:xfrm>
+            <a:off x="5603630" y="1848594"/>
+            <a:ext cx="8160725" cy="5009406"/>
+          </a:xfrm>
+          <a:prstGeom prst="rect">
+            <a:avLst/>
+          </a:prstGeom>
+        </p:spPr>
+      </p:pic>
+    </p:spTree>
+    <p:extLst>
+      <p:ext uri="{BB962C8B-B14F-4D97-AF65-F5344CB8AC3E}">
+        <p14:creationId xmlns:p14="http://schemas.microsoft.com/office/powerpoint/2010/main" val="2307343120"/>
+      </p:ext>
+    </p:extLst>
+  </p:cSld>
+  <p:clrMapOvr>
+    <a:masterClrMapping/>
+  </p:clrMapOvr>
+</p:sld>
+</file>
+
+<file path=ppt/slides/slide12.xml><?xml version="1.0" encoding="utf-8"?>
+<p:sld xmlns:a="http://schemas.openxmlformats.org/drawingml/2006/main" xmlns:r="http://schemas.openxmlformats.org/officeDocument/2006/relationships" xmlns:p="http://schemas.openxmlformats.org/presentationml/2006/main">
+  <p:cSld>
+    <p:spTree>
+      <p:nvGrpSpPr>
+        <p:cNvPr id="1" name=""/>
+        <p:cNvGrpSpPr/>
+        <p:nvPr/>
+      </p:nvGrpSpPr>
+      <p:grpSpPr>
+        <a:xfrm>
+          <a:off x="0" y="0"/>
+          <a:ext cx="0" cy="0"/>
+          <a:chOff x="0" y="0"/>
+          <a:chExt cx="0" cy="0"/>
+        </a:xfrm>
+      </p:grpSpPr>
+      <p:sp>
+        <p:nvSpPr>
+          <p:cNvPr id="2" name="Title 1"/>
+          <p:cNvSpPr>
+            <a:spLocks noGrp="1"/>
+          </p:cNvSpPr>
+          <p:nvPr>
+            <p:ph type="title"/>
+          </p:nvPr>
+        </p:nvSpPr>
+        <p:spPr/>
+        <p:txBody>
+          <a:bodyPr/>
+          <a:lstStyle/>
+          <a:p>
+            <a:r>
+              <a:rPr lang="en-US" dirty="0"/>
+              <a:t>	Fascinating					Funny</a:t>
+            </a:r>
+          </a:p>
+        </p:txBody>
+      </p:sp>
       <p:pic>
         <p:nvPicPr>
           <p:cNvPr id="3" name="Picture 2"/>
@@ -3206,7 +3350,37 @@
           </p:cNvPicPr>
           <p:nvPr/>
         </p:nvPicPr>
-        <p:blipFill rotWithShape="1">
+        <p:blipFill>
+          <a:blip r:embed="rId2">
+            <a:extLst>
+              <a:ext uri="{28A0092B-C50C-407E-A947-70E740481C1C}">
+                <a14:useLocalDpi xmlns:a14="http://schemas.microsoft.com/office/drawing/2010/main" val="0"/>
+              </a:ext>
+            </a:extLst>
+          </a:blip>
+          <a:stretch>
+            <a:fillRect/>
+          </a:stretch>
+        </p:blipFill>
+        <p:spPr>
+          <a:xfrm>
+            <a:off x="-1572355" y="1690278"/>
+            <a:ext cx="8418632" cy="5167721"/>
+          </a:xfrm>
+          <a:prstGeom prst="rect">
+            <a:avLst/>
+          </a:prstGeom>
+        </p:spPr>
+      </p:pic>
+      <p:pic>
+        <p:nvPicPr>
+          <p:cNvPr id="6" name="Picture 5"/>
+          <p:cNvPicPr>
+            <a:picLocks noChangeAspect="1"/>
+          </p:cNvPicPr>
+          <p:nvPr/>
+        </p:nvPicPr>
+        <p:blipFill>
           <a:blip r:embed="rId3">
             <a:extLst>
               <a:ext uri="{28A0092B-C50C-407E-A947-70E740481C1C}">
@@ -3214,50 +3388,24 @@
               </a:ext>
             </a:extLst>
           </a:blip>
-          <a:srcRect l="30921" r="30745"/>
-          <a:stretch/>
+          <a:stretch>
+            <a:fillRect/>
+          </a:stretch>
         </p:blipFill>
         <p:spPr>
           <a:xfrm>
-            <a:off x="6079958" y="1309837"/>
-            <a:ext cx="5425440" cy="5542721"/>
+            <a:off x="4890723" y="1690279"/>
+            <a:ext cx="8418632" cy="5167721"/>
           </a:xfrm>
           <a:prstGeom prst="rect">
             <a:avLst/>
           </a:prstGeom>
         </p:spPr>
       </p:pic>
-      <p:sp>
-        <p:nvSpPr>
-          <p:cNvPr id="4" name="Title 1"/>
-          <p:cNvSpPr>
-            <a:spLocks noGrp="1"/>
-          </p:cNvSpPr>
-          <p:nvPr>
-            <p:ph type="title"/>
-          </p:nvPr>
-        </p:nvSpPr>
-        <p:spPr>
-          <a:xfrm>
-            <a:off x="822158" y="365125"/>
-            <a:ext cx="10515600" cy="1325563"/>
-          </a:xfrm>
-        </p:spPr>
-        <p:txBody>
-          <a:bodyPr/>
-          <a:lstStyle/>
-          <a:p>
-            <a:r>
-              <a:rPr lang="en-US" dirty="0"/>
-              <a:t>	Low							High</a:t>
-            </a:r>
-          </a:p>
-        </p:txBody>
-      </p:sp>
     </p:spTree>
     <p:extLst>
       <p:ext uri="{BB962C8B-B14F-4D97-AF65-F5344CB8AC3E}">
-        <p14:creationId xmlns:p14="http://schemas.microsoft.com/office/powerpoint/2010/main" val="1325773410"/>
+        <p14:creationId xmlns:p14="http://schemas.microsoft.com/office/powerpoint/2010/main" val="970112451"/>
       </p:ext>
     </p:extLst>
   </p:cSld>
@@ -3286,28 +3434,22 @@
       </p:grpSpPr>
       <p:pic>
         <p:nvPicPr>
-          <p:cNvPr id="2" name="Picture 1"/>
+          <p:cNvPr id="4" name="Picture 3"/>
           <p:cNvPicPr>
             <a:picLocks noChangeAspect="1"/>
           </p:cNvPicPr>
           <p:nvPr/>
         </p:nvPicPr>
         <p:blipFill>
-          <a:blip r:embed="rId2">
-            <a:extLst>
-              <a:ext uri="{28A0092B-C50C-407E-A947-70E740481C1C}">
-                <a14:useLocalDpi xmlns:a14="http://schemas.microsoft.com/office/drawing/2010/main" val="0"/>
-              </a:ext>
-            </a:extLst>
-          </a:blip>
+          <a:blip r:embed="rId2"/>
           <a:stretch>
             <a:fillRect/>
           </a:stretch>
         </p:blipFill>
         <p:spPr>
           <a:xfrm>
-            <a:off x="0" y="1992922"/>
-            <a:ext cx="12192000" cy="4774645"/>
+            <a:off x="0" y="2256503"/>
+            <a:ext cx="12189481" cy="4601497"/>
           </a:xfrm>
           <a:prstGeom prst="rect">
             <a:avLst/>
@@ -3316,7 +3458,7 @@
       </p:pic>
       <p:sp>
         <p:nvSpPr>
-          <p:cNvPr id="3" name="Title 1"/>
+          <p:cNvPr id="5" name="Title 1"/>
           <p:cNvSpPr>
             <a:spLocks noGrp="1"/>
           </p:cNvSpPr>
@@ -3327,7 +3469,7 @@
         <p:spPr>
           <a:xfrm>
             <a:off x="838200" y="365125"/>
-            <a:ext cx="10515600" cy="1325563"/>
+            <a:ext cx="10515600" cy="800735"/>
           </a:xfrm>
         </p:spPr>
         <p:txBody>
@@ -3337,7 +3479,7 @@
             <a:pPr algn="ctr"/>
             <a:r>
               <a:rPr lang="en-US" b="1" dirty="0"/>
-              <a:t>Upload Date vs. Views</a:t>
+              <a:t>Dataset</a:t>
             </a:r>
           </a:p>
         </p:txBody>
@@ -3345,7 +3487,7 @@
     </p:spTree>
     <p:extLst>
       <p:ext uri="{BB962C8B-B14F-4D97-AF65-F5344CB8AC3E}">
-        <p14:creationId xmlns:p14="http://schemas.microsoft.com/office/powerpoint/2010/main" val="1440662601"/>
+        <p14:creationId xmlns:p14="http://schemas.microsoft.com/office/powerpoint/2010/main" val="2220553142"/>
       </p:ext>
     </p:extLst>
   </p:cSld>
@@ -3394,14 +3536,155 @@
         </p:blipFill>
         <p:spPr>
           <a:xfrm>
-            <a:off x="866045" y="218627"/>
-            <a:ext cx="10459910" cy="6420746"/>
+            <a:off x="0" y="1432852"/>
+            <a:ext cx="12192000" cy="4774645"/>
           </a:xfrm>
           <a:prstGeom prst="rect">
             <a:avLst/>
           </a:prstGeom>
         </p:spPr>
       </p:pic>
+      <p:sp>
+        <p:nvSpPr>
+          <p:cNvPr id="3" name="Title 1"/>
+          <p:cNvSpPr>
+            <a:spLocks noGrp="1"/>
+          </p:cNvSpPr>
+          <p:nvPr>
+            <p:ph type="title"/>
+          </p:nvPr>
+        </p:nvSpPr>
+        <p:spPr>
+          <a:xfrm>
+            <a:off x="838200" y="365125"/>
+            <a:ext cx="10515600" cy="800735"/>
+          </a:xfrm>
+        </p:spPr>
+        <p:txBody>
+          <a:bodyPr/>
+          <a:lstStyle/>
+          <a:p>
+            <a:pPr algn="ctr"/>
+            <a:r>
+              <a:rPr lang="en-US" b="1" dirty="0"/>
+              <a:t>Upload Date vs. Views</a:t>
+            </a:r>
+          </a:p>
+        </p:txBody>
+      </p:sp>
+    </p:spTree>
+    <p:extLst>
+      <p:ext uri="{BB962C8B-B14F-4D97-AF65-F5344CB8AC3E}">
+        <p14:creationId xmlns:p14="http://schemas.microsoft.com/office/powerpoint/2010/main" val="1440662601"/>
+      </p:ext>
+    </p:extLst>
+  </p:cSld>
+  <p:clrMapOvr>
+    <a:masterClrMapping/>
+  </p:clrMapOvr>
+</p:sld>
+</file>
+
+<file path=ppt/slides/slide4.xml><?xml version="1.0" encoding="utf-8"?>
+<p:sld xmlns:a="http://schemas.openxmlformats.org/drawingml/2006/main" xmlns:r="http://schemas.openxmlformats.org/officeDocument/2006/relationships" xmlns:p="http://schemas.openxmlformats.org/presentationml/2006/main">
+  <p:cSld>
+    <p:spTree>
+      <p:nvGrpSpPr>
+        <p:cNvPr id="1" name=""/>
+        <p:cNvGrpSpPr/>
+        <p:nvPr/>
+      </p:nvGrpSpPr>
+      <p:grpSpPr>
+        <a:xfrm>
+          <a:off x="0" y="0"/>
+          <a:ext cx="0" cy="0"/>
+          <a:chOff x="0" y="0"/>
+          <a:chExt cx="0" cy="0"/>
+        </a:xfrm>
+      </p:grpSpPr>
+      <p:pic>
+        <p:nvPicPr>
+          <p:cNvPr id="2" name="Picture 1"/>
+          <p:cNvPicPr>
+            <a:picLocks noChangeAspect="1"/>
+          </p:cNvPicPr>
+          <p:nvPr/>
+        </p:nvPicPr>
+        <p:blipFill>
+          <a:blip r:embed="rId2">
+            <a:extLst>
+              <a:ext uri="{28A0092B-C50C-407E-A947-70E740481C1C}">
+                <a14:useLocalDpi xmlns:a14="http://schemas.microsoft.com/office/drawing/2010/main" val="0"/>
+              </a:ext>
+            </a:extLst>
+          </a:blip>
+          <a:stretch>
+            <a:fillRect/>
+          </a:stretch>
+        </p:blipFill>
+        <p:spPr>
+          <a:xfrm>
+            <a:off x="1055247" y="484548"/>
+            <a:ext cx="10382865" cy="6373452"/>
+          </a:xfrm>
+          <a:prstGeom prst="rect">
+            <a:avLst/>
+          </a:prstGeom>
+        </p:spPr>
+      </p:pic>
+      <p:pic>
+        <p:nvPicPr>
+          <p:cNvPr id="3" name="Picture 2"/>
+          <p:cNvPicPr>
+            <a:picLocks noChangeAspect="1"/>
+          </p:cNvPicPr>
+          <p:nvPr/>
+        </p:nvPicPr>
+        <p:blipFill>
+          <a:blip r:embed="rId3"/>
+          <a:stretch>
+            <a:fillRect/>
+          </a:stretch>
+        </p:blipFill>
+        <p:spPr>
+          <a:xfrm>
+            <a:off x="1055247" y="3671274"/>
+            <a:ext cx="5010150" cy="3095625"/>
+          </a:xfrm>
+          <a:prstGeom prst="rect">
+            <a:avLst/>
+          </a:prstGeom>
+        </p:spPr>
+      </p:pic>
+      <p:sp>
+        <p:nvSpPr>
+          <p:cNvPr id="4" name="TextBox 3"/>
+          <p:cNvSpPr txBox="1"/>
+          <p:nvPr/>
+        </p:nvSpPr>
+        <p:spPr>
+          <a:xfrm>
+            <a:off x="5339684" y="115216"/>
+            <a:ext cx="1451426" cy="369332"/>
+          </a:xfrm>
+          <a:prstGeom prst="rect">
+            <a:avLst/>
+          </a:prstGeom>
+          <a:noFill/>
+        </p:spPr>
+        <p:txBody>
+          <a:bodyPr wrap="square" rtlCol="0">
+            <a:spAutoFit/>
+          </a:bodyPr>
+          <a:lstStyle/>
+          <a:p>
+            <a:r>
+              <a:rPr lang="en-US" dirty="0"/>
+              <a:t>Linear Model</a:t>
+            </a:r>
+          </a:p>
+        </p:txBody>
+      </p:sp>
     </p:spTree>
     <p:extLst>
       <p:ext uri="{BB962C8B-B14F-4D97-AF65-F5344CB8AC3E}">
@@ -3415,7 +3698,7 @@
 </p:sld>
 </file>
 
-<file path=ppt/slides/slide4.xml><?xml version="1.0" encoding="utf-8"?>
+<file path=ppt/slides/slide5.xml><?xml version="1.0" encoding="utf-8"?>
 <p:sld xmlns:a="http://schemas.openxmlformats.org/drawingml/2006/main" xmlns:r="http://schemas.openxmlformats.org/officeDocument/2006/relationships" xmlns:p="http://schemas.openxmlformats.org/presentationml/2006/main">
   <p:cSld>
     <p:spTree>
@@ -3531,65 +3814,6 @@
 </p:sld>
 </file>
 
-<file path=ppt/slides/slide5.xml><?xml version="1.0" encoding="utf-8"?>
-<p:sld xmlns:a="http://schemas.openxmlformats.org/drawingml/2006/main" xmlns:r="http://schemas.openxmlformats.org/officeDocument/2006/relationships" xmlns:p="http://schemas.openxmlformats.org/presentationml/2006/main">
-  <p:cSld>
-    <p:spTree>
-      <p:nvGrpSpPr>
-        <p:cNvPr id="1" name=""/>
-        <p:cNvGrpSpPr/>
-        <p:nvPr/>
-      </p:nvGrpSpPr>
-      <p:grpSpPr>
-        <a:xfrm>
-          <a:off x="0" y="0"/>
-          <a:ext cx="0" cy="0"/>
-          <a:chOff x="0" y="0"/>
-          <a:chExt cx="0" cy="0"/>
-        </a:xfrm>
-      </p:grpSpPr>
-      <p:pic>
-        <p:nvPicPr>
-          <p:cNvPr id="4" name="Content Placeholder 3"/>
-          <p:cNvPicPr>
-            <a:picLocks noGrp="1" noChangeAspect="1"/>
-          </p:cNvPicPr>
-          <p:nvPr>
-            <p:ph idx="1"/>
-          </p:nvPr>
-        </p:nvPicPr>
-        <p:blipFill>
-          <a:blip r:embed="rId2">
-            <a:extLst>
-              <a:ext uri="{28A0092B-C50C-407E-A947-70E740481C1C}">
-                <a14:useLocalDpi xmlns:a14="http://schemas.microsoft.com/office/drawing/2010/main" val="0"/>
-              </a:ext>
-            </a:extLst>
-          </a:blip>
-          <a:stretch>
-            <a:fillRect/>
-          </a:stretch>
-        </p:blipFill>
-        <p:spPr>
-          <a:xfrm>
-            <a:off x="1165860" y="480060"/>
-            <a:ext cx="9894470" cy="5829300"/>
-          </a:xfrm>
-        </p:spPr>
-      </p:pic>
-    </p:spTree>
-    <p:extLst>
-      <p:ext uri="{BB962C8B-B14F-4D97-AF65-F5344CB8AC3E}">
-        <p14:creationId xmlns:p14="http://schemas.microsoft.com/office/powerpoint/2010/main" val="1109745957"/>
-      </p:ext>
-    </p:extLst>
-  </p:cSld>
-  <p:clrMapOvr>
-    <a:masterClrMapping/>
-  </p:clrMapOvr>
-</p:sld>
-</file>
-
 <file path=ppt/slides/slide6.xml><?xml version="1.0" encoding="utf-8"?>
 <p:sld xmlns:a="http://schemas.openxmlformats.org/drawingml/2006/main" xmlns:r="http://schemas.openxmlformats.org/officeDocument/2006/relationships" xmlns:p="http://schemas.openxmlformats.org/presentationml/2006/main">
   <p:cSld>
@@ -3616,31 +3840,82 @@
           <p:nvPr/>
         </p:nvPicPr>
         <p:blipFill>
-          <a:blip r:embed="rId2">
-            <a:extLst>
-              <a:ext uri="{28A0092B-C50C-407E-A947-70E740481C1C}">
-                <a14:useLocalDpi xmlns:a14="http://schemas.microsoft.com/office/drawing/2010/main" val="0"/>
-              </a:ext>
-            </a:extLst>
-          </a:blip>
+          <a:blip r:embed="rId2"/>
           <a:stretch>
             <a:fillRect/>
           </a:stretch>
         </p:blipFill>
         <p:spPr>
           <a:xfrm>
-            <a:off x="192504" y="1860884"/>
-            <a:ext cx="11879366" cy="4652211"/>
+            <a:off x="21278" y="720187"/>
+            <a:ext cx="12214472" cy="4783445"/>
           </a:xfrm>
           <a:prstGeom prst="rect">
             <a:avLst/>
           </a:prstGeom>
         </p:spPr>
       </p:pic>
+      <p:pic>
+        <p:nvPicPr>
+          <p:cNvPr id="5" name="Picture 4"/>
+          <p:cNvPicPr>
+            <a:picLocks noChangeAspect="1"/>
+          </p:cNvPicPr>
+          <p:nvPr/>
+        </p:nvPicPr>
+        <p:blipFill>
+          <a:blip r:embed="rId3"/>
+          <a:stretch>
+            <a:fillRect/>
+          </a:stretch>
+        </p:blipFill>
+        <p:spPr>
+          <a:xfrm>
+            <a:off x="-22473" y="3111910"/>
+            <a:ext cx="6150987" cy="3746090"/>
+          </a:xfrm>
+          <a:prstGeom prst="rect">
+            <a:avLst/>
+          </a:prstGeom>
+        </p:spPr>
+      </p:pic>
+      <p:sp>
+        <p:nvSpPr>
+          <p:cNvPr id="6" name="TextBox 5"/>
+          <p:cNvSpPr txBox="1"/>
+          <p:nvPr/>
+        </p:nvSpPr>
+        <p:spPr>
+          <a:xfrm>
+            <a:off x="5339684" y="115216"/>
+            <a:ext cx="2489866" cy="369332"/>
+          </a:xfrm>
+          <a:prstGeom prst="rect">
+            <a:avLst/>
+          </a:prstGeom>
+          <a:noFill/>
+        </p:spPr>
+        <p:txBody>
+          <a:bodyPr wrap="square" rtlCol="0">
+            <a:spAutoFit/>
+          </a:bodyPr>
+          <a:lstStyle/>
+          <a:p>
+            <a:r>
+              <a:rPr lang="en-US" dirty="0" err="1"/>
+              <a:t>BoxCox</a:t>
+            </a:r>
+            <a:r>
+              <a:rPr lang="en-US" dirty="0"/>
+              <a:t> Linear Model</a:t>
+            </a:r>
+          </a:p>
+        </p:txBody>
+      </p:sp>
     </p:spTree>
     <p:extLst>
       <p:ext uri="{BB962C8B-B14F-4D97-AF65-F5344CB8AC3E}">
-        <p14:creationId xmlns:p14="http://schemas.microsoft.com/office/powerpoint/2010/main" val="3865491922"/>
+        <p14:creationId xmlns:p14="http://schemas.microsoft.com/office/powerpoint/2010/main" val="695584028"/>
       </p:ext>
     </p:extLst>
   </p:cSld>
@@ -3669,34 +3944,140 @@
       </p:grpSpPr>
       <p:pic>
         <p:nvPicPr>
-          <p:cNvPr id="2" name="Picture 1"/>
+          <p:cNvPr id="5" name="Picture 4"/>
           <p:cNvPicPr>
             <a:picLocks noChangeAspect="1"/>
           </p:cNvPicPr>
           <p:nvPr/>
         </p:nvPicPr>
         <p:blipFill>
-          <a:blip r:embed="rId2">
-            <a:extLst>
-              <a:ext uri="{28A0092B-C50C-407E-A947-70E740481C1C}">
-                <a14:useLocalDpi xmlns:a14="http://schemas.microsoft.com/office/drawing/2010/main" val="0"/>
-              </a:ext>
-            </a:extLst>
-          </a:blip>
+          <a:blip r:embed="rId2"/>
           <a:stretch>
             <a:fillRect/>
           </a:stretch>
         </p:blipFill>
         <p:spPr>
           <a:xfrm>
-            <a:off x="218107" y="2168770"/>
-            <a:ext cx="11973893" cy="4689230"/>
+            <a:off x="0" y="1305601"/>
+            <a:ext cx="12164127" cy="4763729"/>
           </a:xfrm>
           <a:prstGeom prst="rect">
             <a:avLst/>
           </a:prstGeom>
         </p:spPr>
       </p:pic>
+      <p:sp>
+        <p:nvSpPr>
+          <p:cNvPr id="6" name="TextBox 5"/>
+          <p:cNvSpPr txBox="1"/>
+          <p:nvPr/>
+        </p:nvSpPr>
+        <p:spPr>
+          <a:xfrm>
+            <a:off x="4434840" y="434340"/>
+            <a:ext cx="2457450" cy="461665"/>
+          </a:xfrm>
+          <a:prstGeom prst="rect">
+            <a:avLst/>
+          </a:prstGeom>
+          <a:noFill/>
+        </p:spPr>
+        <p:txBody>
+          <a:bodyPr wrap="square" rtlCol="0">
+            <a:spAutoFit/>
+          </a:bodyPr>
+          <a:lstStyle/>
+          <a:p>
+            <a:r>
+              <a:rPr lang="en-US" sz="2400" dirty="0"/>
+              <a:t>Rating Proportion</a:t>
+            </a:r>
+          </a:p>
+        </p:txBody>
+      </p:sp>
+    </p:spTree>
+    <p:extLst>
+      <p:ext uri="{BB962C8B-B14F-4D97-AF65-F5344CB8AC3E}">
+        <p14:creationId xmlns:p14="http://schemas.microsoft.com/office/powerpoint/2010/main" val="3865491922"/>
+      </p:ext>
+    </p:extLst>
+  </p:cSld>
+  <p:clrMapOvr>
+    <a:masterClrMapping/>
+  </p:clrMapOvr>
+</p:sld>
+</file>
+
+<file path=ppt/slides/slide8.xml><?xml version="1.0" encoding="utf-8"?>
+<p:sld xmlns:a="http://schemas.openxmlformats.org/drawingml/2006/main" xmlns:r="http://schemas.openxmlformats.org/officeDocument/2006/relationships" xmlns:p="http://schemas.openxmlformats.org/presentationml/2006/main">
+  <p:cSld>
+    <p:spTree>
+      <p:nvGrpSpPr>
+        <p:cNvPr id="1" name=""/>
+        <p:cNvGrpSpPr/>
+        <p:nvPr/>
+      </p:nvGrpSpPr>
+      <p:grpSpPr>
+        <a:xfrm>
+          <a:off x="0" y="0"/>
+          <a:ext cx="0" cy="0"/>
+          <a:chOff x="0" y="0"/>
+          <a:chExt cx="0" cy="0"/>
+        </a:xfrm>
+      </p:grpSpPr>
+      <p:pic>
+        <p:nvPicPr>
+          <p:cNvPr id="3" name="Picture 2"/>
+          <p:cNvPicPr>
+            <a:picLocks noChangeAspect="1"/>
+          </p:cNvPicPr>
+          <p:nvPr/>
+        </p:nvPicPr>
+        <p:blipFill>
+          <a:blip r:embed="rId2"/>
+          <a:stretch>
+            <a:fillRect/>
+          </a:stretch>
+        </p:blipFill>
+        <p:spPr>
+          <a:xfrm>
+            <a:off x="113047" y="1364595"/>
+            <a:ext cx="12013487" cy="4704735"/>
+          </a:xfrm>
+          <a:prstGeom prst="rect">
+            <a:avLst/>
+          </a:prstGeom>
+        </p:spPr>
+      </p:pic>
+      <p:sp>
+        <p:nvSpPr>
+          <p:cNvPr id="4" name="TextBox 3"/>
+          <p:cNvSpPr txBox="1"/>
+          <p:nvPr/>
+        </p:nvSpPr>
+        <p:spPr>
+          <a:xfrm>
+            <a:off x="4005241" y="525780"/>
+            <a:ext cx="4229100" cy="461665"/>
+          </a:xfrm>
+          <a:prstGeom prst="rect">
+            <a:avLst/>
+          </a:prstGeom>
+          <a:noFill/>
+        </p:spPr>
+        <p:txBody>
+          <a:bodyPr wrap="square" rtlCol="0">
+            <a:spAutoFit/>
+          </a:bodyPr>
+          <a:lstStyle/>
+          <a:p>
+            <a:r>
+              <a:rPr lang="en-US" sz="2400" dirty="0"/>
+              <a:t>Women and Men Views Density</a:t>
+            </a:r>
+          </a:p>
+        </p:txBody>
+      </p:sp>
     </p:spTree>
     <p:extLst>
       <p:ext uri="{BB962C8B-B14F-4D97-AF65-F5344CB8AC3E}">
@@ -3710,7 +4091,7 @@
 </p:sld>
 </file>
 
-<file path=ppt/slides/slide8.xml><?xml version="1.0" encoding="utf-8"?>
+<file path=ppt/slides/slide9.xml><?xml version="1.0" encoding="utf-8"?>
 <p:sld xmlns:a="http://schemas.openxmlformats.org/drawingml/2006/main" xmlns:r="http://schemas.openxmlformats.org/officeDocument/2006/relationships" xmlns:p="http://schemas.openxmlformats.org/presentationml/2006/main">
   <p:cSld>
     <p:spTree>
@@ -3749,7 +4130,7 @@
         </p:blipFill>
         <p:spPr>
           <a:xfrm>
-            <a:off x="819152" y="875120"/>
+            <a:off x="866045" y="772250"/>
             <a:ext cx="10459910" cy="6420746"/>
           </a:xfrm>
           <a:prstGeom prst="rect">
@@ -3789,118 +4170,6 @@
     <p:extLst>
       <p:ext uri="{BB962C8B-B14F-4D97-AF65-F5344CB8AC3E}">
         <p14:creationId xmlns:p14="http://schemas.microsoft.com/office/powerpoint/2010/main" val="3004575423"/>
-      </p:ext>
-    </p:extLst>
-  </p:cSld>
-  <p:clrMapOvr>
-    <a:masterClrMapping/>
-  </p:clrMapOvr>
-</p:sld>
-</file>
-
-<file path=ppt/slides/slide9.xml><?xml version="1.0" encoding="utf-8"?>
-<p:sld xmlns:a="http://schemas.openxmlformats.org/drawingml/2006/main" xmlns:r="http://schemas.openxmlformats.org/officeDocument/2006/relationships" xmlns:p="http://schemas.openxmlformats.org/presentationml/2006/main">
-  <p:cSld>
-    <p:spTree>
-      <p:nvGrpSpPr>
-        <p:cNvPr id="1" name=""/>
-        <p:cNvGrpSpPr/>
-        <p:nvPr/>
-      </p:nvGrpSpPr>
-      <p:grpSpPr>
-        <a:xfrm>
-          <a:off x="0" y="0"/>
-          <a:ext cx="0" cy="0"/>
-          <a:chOff x="0" y="0"/>
-          <a:chExt cx="0" cy="0"/>
-        </a:xfrm>
-      </p:grpSpPr>
-      <p:sp>
-        <p:nvSpPr>
-          <p:cNvPr id="2" name="Title 1"/>
-          <p:cNvSpPr>
-            <a:spLocks noGrp="1"/>
-          </p:cNvSpPr>
-          <p:nvPr>
-            <p:ph type="title"/>
-          </p:nvPr>
-        </p:nvSpPr>
-        <p:spPr/>
-        <p:txBody>
-          <a:bodyPr/>
-          <a:lstStyle/>
-          <a:p>
-            <a:r>
-              <a:rPr lang="en-US" dirty="0"/>
-              <a:t>	Beautiful					Courageous</a:t>
-            </a:r>
-          </a:p>
-        </p:txBody>
-      </p:sp>
-      <p:pic>
-        <p:nvPicPr>
-          <p:cNvPr id="4" name="Picture 3"/>
-          <p:cNvPicPr>
-            <a:picLocks noChangeAspect="1"/>
-          </p:cNvPicPr>
-          <p:nvPr/>
-        </p:nvPicPr>
-        <p:blipFill>
-          <a:blip r:embed="rId2">
-            <a:extLst>
-              <a:ext uri="{28A0092B-C50C-407E-A947-70E740481C1C}">
-                <a14:useLocalDpi xmlns:a14="http://schemas.microsoft.com/office/drawing/2010/main" val="0"/>
-              </a:ext>
-            </a:extLst>
-          </a:blip>
-          <a:stretch>
-            <a:fillRect/>
-          </a:stretch>
-        </p:blipFill>
-        <p:spPr>
-          <a:xfrm>
-            <a:off x="-844061" y="1848594"/>
-            <a:ext cx="8160724" cy="5009406"/>
-          </a:xfrm>
-          <a:prstGeom prst="rect">
-            <a:avLst/>
-          </a:prstGeom>
-        </p:spPr>
-      </p:pic>
-      <p:pic>
-        <p:nvPicPr>
-          <p:cNvPr id="5" name="Picture 4"/>
-          <p:cNvPicPr>
-            <a:picLocks noChangeAspect="1"/>
-          </p:cNvPicPr>
-          <p:nvPr/>
-        </p:nvPicPr>
-        <p:blipFill>
-          <a:blip r:embed="rId3">
-            <a:extLst>
-              <a:ext uri="{28A0092B-C50C-407E-A947-70E740481C1C}">
-                <a14:useLocalDpi xmlns:a14="http://schemas.microsoft.com/office/drawing/2010/main" val="0"/>
-              </a:ext>
-            </a:extLst>
-          </a:blip>
-          <a:stretch>
-            <a:fillRect/>
-          </a:stretch>
-        </p:blipFill>
-        <p:spPr>
-          <a:xfrm>
-            <a:off x="5603630" y="1848594"/>
-            <a:ext cx="8160725" cy="5009406"/>
-          </a:xfrm>
-          <a:prstGeom prst="rect">
-            <a:avLst/>
-          </a:prstGeom>
-        </p:spPr>
-      </p:pic>
-    </p:spTree>
-    <p:extLst>
-      <p:ext uri="{BB962C8B-B14F-4D97-AF65-F5344CB8AC3E}">
-        <p14:creationId xmlns:p14="http://schemas.microsoft.com/office/powerpoint/2010/main" val="2307343120"/>
       </p:ext>
     </p:extLst>
   </p:cSld>
